--- a/Later/String/Manipulating Characters in a String/String_21/Java String - lastIndexOf-ch.pptx
+++ b/Later/String/Manipulating Characters in a String/String_21/Java String - lastIndexOf-ch.pptx
@@ -3760,15 +3760,7 @@
             <a:pPr algn="ctr"/>
             <a:r>
               <a:rPr lang="en-US" sz="1200" dirty="0" smtClean="0"/>
-              <a:t>String – </a:t>
-            </a:r>
-            <a:r>
-              <a:rPr lang="en-US" sz="1200" dirty="0" smtClean="0"/>
-              <a:t>lastIndexOf </a:t>
-            </a:r>
-            <a:r>
-              <a:rPr lang="en-US" sz="1200" dirty="0" smtClean="0"/>
-              <a:t>method</a:t>
+              <a:t>String – lastIndexOf method</a:t>
             </a:r>
             <a:endParaRPr lang="en-US" sz="1200" dirty="0"/>
           </a:p>
@@ -3886,31 +3878,7 @@
                           <a:ea typeface="+mn-ea"/>
                           <a:cs typeface="+mn-cs"/>
                         </a:rPr>
-                        <a:t>Returns the index of the </a:t>
-                      </a:r>
-                      <a:r>
-                        <a:rPr lang="en-US" sz="1200" b="0" i="0" kern="1200" dirty="0" smtClean="0">
-                          <a:solidFill>
-                            <a:schemeClr val="dk1"/>
-                          </a:solidFill>
-                          <a:effectLst/>
-                          <a:latin typeface="+mn-lt"/>
-                          <a:ea typeface="+mn-ea"/>
-                          <a:cs typeface="+mn-cs"/>
-                        </a:rPr>
-                        <a:t>last occurrence </a:t>
-                      </a:r>
-                      <a:r>
-                        <a:rPr lang="en-US" sz="1200" b="0" i="0" kern="1200" dirty="0" smtClean="0">
-                          <a:solidFill>
-                            <a:schemeClr val="dk1"/>
-                          </a:solidFill>
-                          <a:effectLst/>
-                          <a:latin typeface="+mn-lt"/>
-                          <a:ea typeface="+mn-ea"/>
-                          <a:cs typeface="+mn-cs"/>
-                        </a:rPr>
-                        <a:t>of the specified character.</a:t>
+                        <a:t>Returns the index of the last occurrence of the specified character.</a:t>
                       </a:r>
                       <a:endParaRPr lang="en-US" sz="1200" dirty="0"/>
                     </a:p>
@@ -4447,6 +4415,57 @@
             <a:r>
               <a:rPr lang="en-US" sz="1200" dirty="0" smtClean="0"/>
               <a:t>Ending Index</a:t>
+            </a:r>
+            <a:endParaRPr lang="en-US" sz="1200" dirty="0"/>
+          </a:p>
+        </p:txBody>
+      </p:sp>
+      <p:sp>
+        <p:nvSpPr>
+          <p:cNvPr id="28" name="TextBox 27"/>
+          <p:cNvSpPr txBox="1"/>
+          <p:nvPr/>
+        </p:nvSpPr>
+        <p:spPr>
+          <a:xfrm>
+            <a:off x="3988870" y="4104499"/>
+            <a:ext cx="3362587" cy="276999"/>
+          </a:xfrm>
+          <a:prstGeom prst="rect">
+            <a:avLst/>
+          </a:prstGeom>
+        </p:spPr>
+        <p:style>
+          <a:lnRef idx="1">
+            <a:schemeClr val="accent4"/>
+          </a:lnRef>
+          <a:fillRef idx="3">
+            <a:schemeClr val="accent4"/>
+          </a:fillRef>
+          <a:effectRef idx="2">
+            <a:schemeClr val="accent4"/>
+          </a:effectRef>
+          <a:fontRef idx="minor">
+            <a:schemeClr val="lt1"/>
+          </a:fontRef>
+        </p:style>
+        <p:txBody>
+          <a:bodyPr wrap="none" rtlCol="0">
+            <a:spAutoFit/>
+          </a:bodyPr>
+          <a:lstStyle/>
+          <a:p>
+            <a:r>
+              <a:rPr lang="en-US" sz="1200" dirty="0"/>
+              <a:t>lastIndexOf("e", 4</a:t>
+            </a:r>
+            <a:r>
+              <a:rPr lang="en-US" sz="1200" dirty="0" smtClean="0"/>
+              <a:t>) </a:t>
+            </a:r>
+            <a:r>
+              <a:rPr lang="en-US" sz="1200" smtClean="0"/>
+              <a:t>= 1                                                   </a:t>
             </a:r>
             <a:endParaRPr lang="en-US" sz="1200" dirty="0"/>
           </a:p>
